--- a/deusto.pptx
+++ b/deusto.pptx
@@ -5,7 +5,7 @@
     <p:sldMasterId id="2147483648" r:id="rId1"/>
   </p:sldMasterIdLst>
   <p:notesMasterIdLst>
-    <p:notesMasterId r:id="rId9"/>
+    <p:notesMasterId r:id="rId10"/>
   </p:notesMasterIdLst>
   <p:sldIdLst>
     <p:sldId id="256" r:id="rId2"/>
@@ -15,6 +15,7 @@
     <p:sldId id="263" r:id="rId6"/>
     <p:sldId id="261" r:id="rId7"/>
     <p:sldId id="257" r:id="rId8"/>
+    <p:sldId id="264" r:id="rId9"/>
   </p:sldIdLst>
   <p:sldSz cx="9144000" cy="6858000" type="screen4x3"/>
   <p:notesSz cx="6858000" cy="9144000"/>
@@ -199,7 +200,7 @@
             <a:fld id="{B023A695-05F8-4D5E-95A0-0BD0C128ACEB}" type="datetimeFigureOut">
               <a:rPr lang="es-ES" smtClean="0"/>
               <a:pPr/>
-              <a:t>05/10/2012</a:t>
+              <a:t>03/07/2013</a:t>
             </a:fld>
             <a:endParaRPr lang="es-ES"/>
           </a:p>
@@ -368,6 +369,11 @@
         </p:txBody>
       </p:sp>
     </p:spTree>
+    <p:extLst>
+      <p:ext uri="{BB962C8B-B14F-4D97-AF65-F5344CB8AC3E}">
+        <p14:creationId xmlns:p14="http://schemas.microsoft.com/office/powerpoint/2010/main" val="1965818646"/>
+      </p:ext>
+    </p:extLst>
   </p:cSld>
   <p:clrMap bg1="lt1" tx1="dk1" bg2="lt2" tx2="dk2" accent1="accent1" accent2="accent2" accent3="accent3" accent4="accent4" accent5="accent5" accent6="accent6" hlink="hlink" folHlink="folHlink"/>
   <p:notesStyle>
@@ -1571,6 +1577,387 @@
 </p:sldLayout>
 </file>
 
+<file path=ppt/slideLayouts/slideLayout5.xml><?xml version="1.0" encoding="utf-8"?>
+<p:sldLayout xmlns:a="http://schemas.openxmlformats.org/drawingml/2006/main" xmlns:r="http://schemas.openxmlformats.org/officeDocument/2006/relationships" xmlns:p="http://schemas.openxmlformats.org/presentationml/2006/main" userDrawn="1">
+  <p:cSld name="1_Diapositiva de título">
+    <p:spTree>
+      <p:nvGrpSpPr>
+        <p:cNvPr id="1" name=""/>
+        <p:cNvGrpSpPr/>
+        <p:nvPr/>
+      </p:nvGrpSpPr>
+      <p:grpSpPr>
+        <a:xfrm>
+          <a:off x="0" y="0"/>
+          <a:ext cx="0" cy="0"/>
+          <a:chOff x="0" y="0"/>
+          <a:chExt cx="0" cy="0"/>
+        </a:xfrm>
+      </p:grpSpPr>
+      <p:pic>
+        <p:nvPicPr>
+          <p:cNvPr id="3" name="2 Imagen"/>
+          <p:cNvPicPr>
+            <a:picLocks noChangeAspect="1"/>
+          </p:cNvPicPr>
+          <p:nvPr userDrawn="1"/>
+        </p:nvPicPr>
+        <p:blipFill>
+          <a:blip r:embed="rId2" cstate="print">
+            <a:extLst>
+              <a:ext uri="{28A0092B-C50C-407E-A947-70E740481C1C}">
+                <a14:useLocalDpi xmlns:a14="http://schemas.microsoft.com/office/drawing/2010/main" val="0"/>
+              </a:ext>
+            </a:extLst>
+          </a:blip>
+          <a:stretch>
+            <a:fillRect/>
+          </a:stretch>
+        </p:blipFill>
+        <p:spPr>
+          <a:xfrm>
+            <a:off x="0" y="0"/>
+            <a:ext cx="9144000" cy="6880446"/>
+          </a:xfrm>
+          <a:prstGeom prst="rect">
+            <a:avLst/>
+          </a:prstGeom>
+        </p:spPr>
+      </p:pic>
+      <p:sp>
+        <p:nvSpPr>
+          <p:cNvPr id="2" name="1 Título"/>
+          <p:cNvSpPr>
+            <a:spLocks noGrp="1"/>
+          </p:cNvSpPr>
+          <p:nvPr>
+            <p:ph type="ctrTitle"/>
+          </p:nvPr>
+        </p:nvSpPr>
+        <p:spPr>
+          <a:xfrm>
+            <a:off x="685800" y="2204864"/>
+            <a:ext cx="7772400" cy="936104"/>
+          </a:xfrm>
+          <a:prstGeom prst="rect">
+            <a:avLst/>
+          </a:prstGeom>
+        </p:spPr>
+        <p:txBody>
+          <a:bodyPr>
+            <a:normAutofit/>
+          </a:bodyPr>
+          <a:lstStyle>
+            <a:lvl1pPr>
+              <a:defRPr sz="2800" b="1" i="0" u="none">
+                <a:solidFill>
+                  <a:schemeClr val="bg1"/>
+                </a:solidFill>
+                <a:latin typeface="NimbusSanL" pitchFamily="2" charset="0"/>
+              </a:defRPr>
+            </a:lvl1pPr>
+          </a:lstStyle>
+          <a:p>
+            <a:endParaRPr lang="es-ES" dirty="0"/>
+          </a:p>
+        </p:txBody>
+      </p:sp>
+      <p:sp>
+        <p:nvSpPr>
+          <p:cNvPr id="11" name="1 Título"/>
+          <p:cNvSpPr txBox="1">
+            <a:spLocks/>
+          </p:cNvSpPr>
+          <p:nvPr userDrawn="1"/>
+        </p:nvSpPr>
+        <p:spPr>
+          <a:xfrm>
+            <a:off x="683568" y="4191416"/>
+            <a:ext cx="7772400" cy="360039"/>
+          </a:xfrm>
+          <a:prstGeom prst="rect">
+            <a:avLst/>
+          </a:prstGeom>
+        </p:spPr>
+        <p:txBody>
+          <a:bodyPr vert="horz" lIns="91440" tIns="45720" rIns="91440" bIns="45720" rtlCol="0" anchor="ctr">
+            <a:normAutofit/>
+          </a:bodyPr>
+          <a:lstStyle>
+            <a:lvl1pPr>
+              <a:defRPr sz="2800" b="1"/>
+            </a:lvl1pPr>
+          </a:lstStyle>
+          <a:p>
+            <a:pPr marL="0" marR="0" lvl="0" indent="0" algn="ctr" defTabSz="914400" rtl="0" eaLnBrk="1" fontAlgn="auto" latinLnBrk="0" hangingPunct="1">
+              <a:lnSpc>
+                <a:spcPct val="100000"/>
+              </a:lnSpc>
+              <a:spcBef>
+                <a:spcPct val="0"/>
+              </a:spcBef>
+              <a:spcAft>
+                <a:spcPts val="0"/>
+              </a:spcAft>
+              <a:buClrTx/>
+              <a:buSzTx/>
+              <a:buFontTx/>
+              <a:buNone/>
+              <a:tabLst/>
+              <a:defRPr/>
+            </a:pPr>
+            <a:r>
+              <a:rPr kumimoji="0" lang="en-US" sz="1700" b="0" i="0" u="none" strike="noStrike" kern="1200" cap="none" spc="0" normalizeH="0" baseline="0" noProof="0" dirty="0" err="1" smtClean="0">
+                <a:ln>
+                  <a:noFill/>
+                </a:ln>
+                <a:solidFill>
+                  <a:schemeClr val="bg1"/>
+                </a:solidFill>
+                <a:effectLst/>
+                <a:uLnTx/>
+                <a:uFillTx/>
+                <a:latin typeface="NimbusSanL" pitchFamily="2" charset="0"/>
+                <a:ea typeface="+mj-ea"/>
+                <a:cs typeface="Helvetica" pitchFamily="34" charset="0"/>
+              </a:rPr>
+              <a:t>DeustoTech</a:t>
+            </a:r>
+            <a:r>
+              <a:rPr kumimoji="0" lang="en-US" sz="1700" b="0" i="0" u="none" strike="noStrike" kern="1200" cap="none" spc="0" normalizeH="0" baseline="0" noProof="0" dirty="0" smtClean="0">
+                <a:ln>
+                  <a:noFill/>
+                </a:ln>
+                <a:solidFill>
+                  <a:schemeClr val="bg1"/>
+                </a:solidFill>
+                <a:effectLst/>
+                <a:uLnTx/>
+                <a:uFillTx/>
+                <a:latin typeface="NimbusSanL" pitchFamily="2" charset="0"/>
+                <a:ea typeface="+mj-ea"/>
+                <a:cs typeface="Helvetica" pitchFamily="34" charset="0"/>
+              </a:rPr>
+              <a:t> - </a:t>
+            </a:r>
+            <a:r>
+              <a:rPr kumimoji="0" lang="en-US" sz="1700" b="0" i="0" u="none" strike="noStrike" kern="1200" cap="none" spc="0" normalizeH="0" baseline="0" noProof="0" dirty="0" err="1" smtClean="0">
+                <a:ln>
+                  <a:noFill/>
+                </a:ln>
+                <a:solidFill>
+                  <a:schemeClr val="bg1"/>
+                </a:solidFill>
+                <a:effectLst/>
+                <a:uLnTx/>
+                <a:uFillTx/>
+                <a:latin typeface="NimbusSanL" pitchFamily="2" charset="0"/>
+                <a:ea typeface="+mj-ea"/>
+                <a:cs typeface="Helvetica" pitchFamily="34" charset="0"/>
+              </a:rPr>
+              <a:t>Deusto</a:t>
+            </a:r>
+            <a:r>
+              <a:rPr kumimoji="0" lang="en-US" sz="1700" b="0" i="0" u="none" strike="noStrike" kern="1200" cap="none" spc="0" normalizeH="0" baseline="0" noProof="0" dirty="0" smtClean="0">
+                <a:ln>
+                  <a:noFill/>
+                </a:ln>
+                <a:solidFill>
+                  <a:schemeClr val="bg1"/>
+                </a:solidFill>
+                <a:effectLst/>
+                <a:uLnTx/>
+                <a:uFillTx/>
+                <a:latin typeface="NimbusSanL" pitchFamily="2" charset="0"/>
+                <a:ea typeface="+mj-ea"/>
+                <a:cs typeface="Helvetica" pitchFamily="34" charset="0"/>
+              </a:rPr>
+              <a:t> Institute of Technology, University of </a:t>
+            </a:r>
+            <a:r>
+              <a:rPr kumimoji="0" lang="en-US" sz="1700" b="0" i="0" u="none" strike="noStrike" kern="1200" cap="none" spc="0" normalizeH="0" baseline="0" noProof="0" dirty="0" err="1" smtClean="0">
+                <a:ln>
+                  <a:noFill/>
+                </a:ln>
+                <a:solidFill>
+                  <a:schemeClr val="bg1"/>
+                </a:solidFill>
+                <a:effectLst/>
+                <a:uLnTx/>
+                <a:uFillTx/>
+                <a:latin typeface="NimbusSanL" pitchFamily="2" charset="0"/>
+                <a:ea typeface="+mj-ea"/>
+                <a:cs typeface="Helvetica" pitchFamily="34" charset="0"/>
+              </a:rPr>
+              <a:t>Deusto</a:t>
+            </a:r>
+            <a:endParaRPr kumimoji="0" lang="es-ES" sz="1700" b="0" i="0" u="none" strike="noStrike" kern="1200" cap="none" spc="0" normalizeH="0" baseline="0" noProof="0" dirty="0">
+              <a:ln>
+                <a:noFill/>
+              </a:ln>
+              <a:solidFill>
+                <a:schemeClr val="bg1"/>
+              </a:solidFill>
+              <a:effectLst/>
+              <a:uLnTx/>
+              <a:uFillTx/>
+              <a:latin typeface="NimbusSanL" pitchFamily="2" charset="0"/>
+              <a:ea typeface="+mj-ea"/>
+              <a:cs typeface="Helvetica" pitchFamily="34" charset="0"/>
+            </a:endParaRPr>
+          </a:p>
+        </p:txBody>
+      </p:sp>
+      <p:sp>
+        <p:nvSpPr>
+          <p:cNvPr id="12" name="1 Título"/>
+          <p:cNvSpPr txBox="1">
+            <a:spLocks/>
+          </p:cNvSpPr>
+          <p:nvPr userDrawn="1"/>
+        </p:nvSpPr>
+        <p:spPr>
+          <a:xfrm>
+            <a:off x="683568" y="4509121"/>
+            <a:ext cx="7772400" cy="360039"/>
+          </a:xfrm>
+          <a:prstGeom prst="rect">
+            <a:avLst/>
+          </a:prstGeom>
+        </p:spPr>
+        <p:txBody>
+          <a:bodyPr vert="horz" lIns="91440" tIns="45720" rIns="91440" bIns="45720" rtlCol="0" anchor="ctr">
+            <a:normAutofit/>
+          </a:bodyPr>
+          <a:lstStyle>
+            <a:lvl1pPr>
+              <a:defRPr sz="2800" b="1"/>
+            </a:lvl1pPr>
+          </a:lstStyle>
+          <a:p>
+            <a:pPr marL="0" marR="0" lvl="0" indent="0" algn="ctr" defTabSz="914400" rtl="0" eaLnBrk="1" fontAlgn="auto" latinLnBrk="0" hangingPunct="1">
+              <a:lnSpc>
+                <a:spcPct val="100000"/>
+              </a:lnSpc>
+              <a:spcBef>
+                <a:spcPct val="0"/>
+              </a:spcBef>
+              <a:spcAft>
+                <a:spcPts val="0"/>
+              </a:spcAft>
+              <a:buClrTx/>
+              <a:buSzTx/>
+              <a:buFontTx/>
+              <a:buNone/>
+              <a:tabLst/>
+              <a:defRPr/>
+            </a:pPr>
+            <a:r>
+              <a:rPr kumimoji="0" lang="en-US" sz="1500" b="1" i="0" u="none" strike="noStrike" kern="1200" cap="none" spc="0" normalizeH="0" baseline="0" noProof="0" dirty="0" smtClean="0">
+                <a:ln>
+                  <a:noFill/>
+                </a:ln>
+                <a:solidFill>
+                  <a:schemeClr val="bg1"/>
+                </a:solidFill>
+                <a:effectLst/>
+                <a:uLnTx/>
+                <a:uFillTx/>
+                <a:latin typeface="NimbusMonL" pitchFamily="2" charset="0"/>
+                <a:ea typeface="+mj-ea"/>
+                <a:cs typeface="Courier New" pitchFamily="49" charset="0"/>
+              </a:rPr>
+              <a:t>http://www.morelab.deusto.es</a:t>
+            </a:r>
+            <a:endParaRPr kumimoji="0" lang="es-ES" sz="1500" b="1" i="0" u="none" strike="noStrike" kern="1200" cap="none" spc="0" normalizeH="0" baseline="0" noProof="0" dirty="0">
+              <a:ln>
+                <a:noFill/>
+              </a:ln>
+              <a:solidFill>
+                <a:schemeClr val="bg1"/>
+              </a:solidFill>
+              <a:effectLst/>
+              <a:uLnTx/>
+              <a:uFillTx/>
+              <a:latin typeface="NimbusMonL" pitchFamily="2" charset="0"/>
+              <a:ea typeface="+mj-ea"/>
+              <a:cs typeface="Courier New" pitchFamily="49" charset="0"/>
+            </a:endParaRPr>
+          </a:p>
+        </p:txBody>
+      </p:sp>
+      <p:sp>
+        <p:nvSpPr>
+          <p:cNvPr id="21" name="20 Marcador de texto"/>
+          <p:cNvSpPr>
+            <a:spLocks noGrp="1"/>
+          </p:cNvSpPr>
+          <p:nvPr>
+            <p:ph type="body" sz="quarter" idx="11" hasCustomPrompt="1"/>
+          </p:nvPr>
+        </p:nvSpPr>
+        <p:spPr>
+          <a:xfrm>
+            <a:off x="683568" y="3501256"/>
+            <a:ext cx="7776864" cy="431800"/>
+          </a:xfrm>
+          <a:prstGeom prst="rect">
+            <a:avLst/>
+          </a:prstGeom>
+        </p:spPr>
+        <p:txBody>
+          <a:bodyPr anchor="ctr">
+            <a:normAutofit/>
+          </a:bodyPr>
+          <a:lstStyle>
+            <a:lvl1pPr algn="ctr">
+              <a:buNone/>
+              <a:defRPr kumimoji="0" lang="es-ES" sz="1800" b="0" i="0" u="none" strike="noStrike" kern="1200" cap="none" spc="0" normalizeH="0" baseline="0" noProof="0" dirty="0" smtClean="0">
+                <a:ln>
+                  <a:noFill/>
+                </a:ln>
+                <a:solidFill>
+                  <a:schemeClr val="bg1"/>
+                </a:solidFill>
+                <a:effectLst/>
+                <a:uLnTx/>
+                <a:uFillTx/>
+                <a:latin typeface="NimbusSanL" pitchFamily="2" charset="0"/>
+                <a:ea typeface="+mj-ea"/>
+                <a:cs typeface="Helvetica" pitchFamily="34" charset="0"/>
+              </a:defRPr>
+            </a:lvl1pPr>
+          </a:lstStyle>
+          <a:p>
+            <a:pPr lvl="0"/>
+            <a:r>
+              <a:rPr lang="es-ES" dirty="0" err="1" smtClean="0"/>
+              <a:t>Authors</a:t>
+            </a:r>
+            <a:endParaRPr lang="es-ES" dirty="0"/>
+          </a:p>
+        </p:txBody>
+      </p:sp>
+    </p:spTree>
+    <p:extLst>
+      <p:ext uri="{BB962C8B-B14F-4D97-AF65-F5344CB8AC3E}">
+        <p14:creationId xmlns:p14="http://schemas.microsoft.com/office/powerpoint/2010/main" val="1095254790"/>
+      </p:ext>
+    </p:extLst>
+  </p:cSld>
+  <p:clrMapOvr>
+    <a:masterClrMapping/>
+  </p:clrMapOvr>
+  <p:timing>
+    <p:tnLst>
+      <p:par>
+        <p:cTn id="1" dur="indefinite" restart="never" nodeType="tmRoot"/>
+      </p:par>
+    </p:tnLst>
+  </p:timing>
+</p:sldLayout>
+</file>
+
 <file path=ppt/slideMasters/slideMaster1.xml><?xml version="1.0" encoding="utf-8"?>
 <p:sldMaster xmlns:a="http://schemas.openxmlformats.org/drawingml/2006/main" xmlns:r="http://schemas.openxmlformats.org/officeDocument/2006/relationships" xmlns:p="http://schemas.openxmlformats.org/presentationml/2006/main">
   <p:cSld>
@@ -1602,7 +1989,7 @@
           <p:nvPr userDrawn="1"/>
         </p:nvPicPr>
         <p:blipFill>
-          <a:blip r:embed="rId6" cstate="print"/>
+          <a:blip r:embed="rId7" cstate="print"/>
           <a:stretch>
             <a:fillRect/>
           </a:stretch>
@@ -1825,6 +2212,7 @@
     <p:sldLayoutId id="2147483650" r:id="rId2"/>
     <p:sldLayoutId id="2147483662" r:id="rId3"/>
     <p:sldLayoutId id="2147483661" r:id="rId4"/>
+    <p:sldLayoutId id="2147483663" r:id="rId5"/>
   </p:sldLayoutIdLst>
   <p:txStyles>
     <p:titleStyle>
@@ -2880,7 +3268,6 @@
               <a:rPr lang="es-ES" dirty="0" smtClean="0"/>
               <a:t>.</a:t>
             </a:r>
-            <a:endParaRPr lang="es-ES" dirty="0" smtClean="0"/>
           </a:p>
           <a:p>
             <a:endParaRPr lang="es-ES" dirty="0">
@@ -3940,6 +4327,114 @@
         </p:spPr>
       </p:pic>
     </p:spTree>
+  </p:cSld>
+  <p:clrMapOvr>
+    <a:masterClrMapping/>
+  </p:clrMapOvr>
+  <p:timing>
+    <p:tnLst>
+      <p:par>
+        <p:cTn id="1" dur="indefinite" restart="never" nodeType="tmRoot"/>
+      </p:par>
+    </p:tnLst>
+  </p:timing>
+</p:sld>
+</file>
+
+<file path=ppt/slides/slide8.xml><?xml version="1.0" encoding="utf-8"?>
+<p:sld xmlns:a="http://schemas.openxmlformats.org/drawingml/2006/main" xmlns:r="http://schemas.openxmlformats.org/officeDocument/2006/relationships" xmlns:p="http://schemas.openxmlformats.org/presentationml/2006/main">
+  <p:cSld>
+    <p:spTree>
+      <p:nvGrpSpPr>
+        <p:cNvPr id="1" name=""/>
+        <p:cNvGrpSpPr/>
+        <p:nvPr/>
+      </p:nvGrpSpPr>
+      <p:grpSpPr>
+        <a:xfrm>
+          <a:off x="0" y="0"/>
+          <a:ext cx="0" cy="0"/>
+          <a:chOff x="0" y="0"/>
+          <a:chExt cx="0" cy="0"/>
+        </a:xfrm>
+      </p:grpSpPr>
+      <p:sp>
+        <p:nvSpPr>
+          <p:cNvPr id="6" name="5 Título"/>
+          <p:cNvSpPr>
+            <a:spLocks noGrp="1"/>
+          </p:cNvSpPr>
+          <p:nvPr>
+            <p:ph type="ctrTitle"/>
+          </p:nvPr>
+        </p:nvSpPr>
+        <p:spPr>
+          <a:xfrm>
+            <a:off x="685800" y="2060848"/>
+            <a:ext cx="7772400" cy="936104"/>
+          </a:xfrm>
+        </p:spPr>
+        <p:txBody>
+          <a:bodyPr>
+            <a:normAutofit fontScale="90000"/>
+          </a:bodyPr>
+          <a:lstStyle/>
+          <a:p>
+            <a:r>
+              <a:rPr lang="en-US" dirty="0"/>
+              <a:t>The degeneration of rationalism facing the Communist Manifesto: a constructivist conjecture</a:t>
+            </a:r>
+            <a:endParaRPr lang="en-GB" dirty="0"/>
+          </a:p>
+        </p:txBody>
+      </p:sp>
+      <p:sp>
+        <p:nvSpPr>
+          <p:cNvPr id="7" name="6 Marcador de texto"/>
+          <p:cNvSpPr>
+            <a:spLocks noGrp="1"/>
+          </p:cNvSpPr>
+          <p:nvPr>
+            <p:ph type="body" sz="quarter" idx="11"/>
+          </p:nvPr>
+        </p:nvSpPr>
+        <p:spPr>
+          <a:xfrm>
+            <a:off x="683568" y="3356992"/>
+            <a:ext cx="7776864" cy="720080"/>
+          </a:xfrm>
+        </p:spPr>
+        <p:txBody>
+          <a:bodyPr>
+            <a:normAutofit/>
+          </a:bodyPr>
+          <a:lstStyle/>
+          <a:p>
+            <a:r>
+              <a:rPr lang="es-ES" dirty="0" err="1"/>
+              <a:t>Homer</a:t>
+            </a:r>
+            <a:r>
+              <a:rPr lang="es-ES" dirty="0"/>
+              <a:t> J. Simpson</a:t>
+            </a:r>
+            <a:endParaRPr lang="en-GB" dirty="0" smtClean="0"/>
+          </a:p>
+          <a:p>
+            <a:r>
+              <a:rPr lang="en-GB" i="1" dirty="0" smtClean="0"/>
+              <a:t>{homer.simpson@deusto.es}</a:t>
+            </a:r>
+            <a:endParaRPr lang="en-GB" i="1" dirty="0" smtClean="0"/>
+          </a:p>
+        </p:txBody>
+      </p:sp>
+    </p:spTree>
+    <p:extLst>
+      <p:ext uri="{BB962C8B-B14F-4D97-AF65-F5344CB8AC3E}">
+        <p14:creationId xmlns:p14="http://schemas.microsoft.com/office/powerpoint/2010/main" val="2833066944"/>
+      </p:ext>
+    </p:extLst>
   </p:cSld>
   <p:clrMapOvr>
     <a:masterClrMapping/>
